--- a/i58 - Behold the Lamb (Moore).pptx
+++ b/i58 - Behold the Lamb (Moore).pptx
@@ -3397,21 +3397,8 @@
                   <a:schemeClr val="bg1"/>
                 </a:solidFill>
               </a:rPr>
-              <a:t>Holy </a:t>
-            </a:r>
-            <a:r>
-              <a:rPr lang="en-US" sz="3600">
-                <a:solidFill>
-                  <a:schemeClr val="bg1"/>
-                </a:solidFill>
-              </a:rPr>
-              <a:t>communion blessing His adored.</a:t>
-            </a:r>
-            <a:endParaRPr lang="en-US" sz="3600" dirty="0">
-              <a:solidFill>
-                <a:schemeClr val="bg1"/>
-              </a:solidFill>
-            </a:endParaRPr>
+              <a:t>Holy communion blessing His adored.</a:t>
+            </a:r>
           </a:p>
         </p:txBody>
       </p:sp>
